--- a/oop/oop-02.pptx
+++ b/oop/oop-02.pptx
@@ -5,7 +5,7 @@
     <p:sldMasterId id="2147483705" r:id="rId1"/>
   </p:sldMasterIdLst>
   <p:notesMasterIdLst>
-    <p:notesMasterId r:id="rId11"/>
+    <p:notesMasterId r:id="rId12"/>
   </p:notesMasterIdLst>
   <p:sldIdLst>
     <p:sldId id="259" r:id="rId2"/>
@@ -17,6 +17,7 @@
     <p:sldId id="306" r:id="rId8"/>
     <p:sldId id="307" r:id="rId9"/>
     <p:sldId id="308" r:id="rId10"/>
+    <p:sldId id="309" r:id="rId11"/>
   </p:sldIdLst>
   <p:sldSz cx="12192000" cy="6858000"/>
   <p:notesSz cx="6858000" cy="9144000"/>
@@ -205,7 +206,7 @@
           <a:p>
             <a:fld id="{9B9ECB28-6A22-4037-9487-F3F739F744D6}" type="datetimeFigureOut">
               <a:rPr lang="en-US" smtClean="0"/>
-              <a:t>12/4/2021</a:t>
+              <a:t>12/5/2021</a:t>
             </a:fld>
             <a:endParaRPr lang="en-US"/>
           </a:p>
@@ -656,7 +657,7 @@
           <a:p>
             <a:fld id="{19B6F524-99F3-4BEA-ACD7-976EF4D36657}" type="datetime1">
               <a:rPr lang="en-US" smtClean="0"/>
-              <a:t>12/4/2021</a:t>
+              <a:t>12/5/2021</a:t>
             </a:fld>
             <a:endParaRPr lang="en-US" dirty="0"/>
           </a:p>
@@ -965,7 +966,7 @@
           <a:p>
             <a:fld id="{2145C3A9-05D9-428D-9788-A7F14838F6F9}" type="datetime1">
               <a:rPr lang="en-US" smtClean="0"/>
-              <a:t>12/4/2021</a:t>
+              <a:t>12/5/2021</a:t>
             </a:fld>
             <a:endParaRPr lang="en-US" dirty="0"/>
           </a:p>
@@ -1163,7 +1164,7 @@
           <a:p>
             <a:fld id="{82C701FB-B03E-4981-A9F8-99B474DD173A}" type="datetime1">
               <a:rPr lang="en-US" smtClean="0"/>
-              <a:t>12/4/2021</a:t>
+              <a:t>12/5/2021</a:t>
             </a:fld>
             <a:endParaRPr lang="en-US" dirty="0"/>
           </a:p>
@@ -1430,7 +1431,7 @@
           <a:p>
             <a:fld id="{7A7E8EF3-CBF7-4EB9-B6E5-3754574E3433}" type="datetime1">
               <a:rPr lang="en-US" smtClean="0"/>
-              <a:t>12/4/2021</a:t>
+              <a:t>12/5/2021</a:t>
             </a:fld>
             <a:endParaRPr lang="en-US" dirty="0"/>
           </a:p>
@@ -1870,7 +1871,7 @@
           <a:p>
             <a:fld id="{DA8A4A96-31AC-487C-9F15-1822D58542B7}" type="datetime1">
               <a:rPr lang="en-US" smtClean="0"/>
-              <a:t>12/4/2021</a:t>
+              <a:t>12/5/2021</a:t>
             </a:fld>
             <a:endParaRPr lang="en-US" dirty="0"/>
           </a:p>
@@ -2411,7 +2412,7 @@
           <a:p>
             <a:fld id="{FBBF9546-09C4-4F24-A284-5B81FF8659B4}" type="datetime1">
               <a:rPr lang="en-US" smtClean="0"/>
-              <a:t>12/4/2021</a:t>
+              <a:t>12/5/2021</a:t>
             </a:fld>
             <a:endParaRPr lang="en-US" dirty="0"/>
           </a:p>
@@ -3297,7 +3298,7 @@
           <a:p>
             <a:fld id="{5BF4405D-15A5-450B-B053-484859B9C8F7}" type="datetime1">
               <a:rPr lang="en-US" smtClean="0"/>
-              <a:t>12/4/2021</a:t>
+              <a:t>12/5/2021</a:t>
             </a:fld>
             <a:endParaRPr lang="en-US" dirty="0"/>
           </a:p>
@@ -3471,7 +3472,7 @@
           <a:p>
             <a:fld id="{E0366559-EC21-40C1-8A65-9A3B4EA78391}" type="datetime1">
               <a:rPr lang="en-US" smtClean="0"/>
-              <a:t>12/4/2021</a:t>
+              <a:t>12/5/2021</a:t>
             </a:fld>
             <a:endParaRPr lang="en-US" dirty="0"/>
           </a:p>
@@ -3659,7 +3660,7 @@
           <a:p>
             <a:fld id="{4F09CA92-695C-4FFA-8E37-4D2C288BCC04}" type="datetime1">
               <a:rPr lang="en-US" smtClean="0"/>
-              <a:t>12/4/2021</a:t>
+              <a:t>12/5/2021</a:t>
             </a:fld>
             <a:endParaRPr lang="en-US" dirty="0"/>
           </a:p>
@@ -3833,7 +3834,7 @@
           <a:p>
             <a:fld id="{CA551262-FC07-4FE4-9221-F72F7D4F209A}" type="datetime1">
               <a:rPr lang="en-US" smtClean="0"/>
-              <a:t>12/4/2021</a:t>
+              <a:t>12/5/2021</a:t>
             </a:fld>
             <a:endParaRPr lang="en-US" dirty="0"/>
           </a:p>
@@ -4081,7 +4082,7 @@
           <a:p>
             <a:fld id="{46A321E4-8899-4F7D-BEB1-BD52626ABD8D}" type="datetime1">
               <a:rPr lang="en-US" smtClean="0"/>
-              <a:t>12/4/2021</a:t>
+              <a:t>12/5/2021</a:t>
             </a:fld>
             <a:endParaRPr lang="en-US" dirty="0"/>
           </a:p>
@@ -4327,7 +4328,7 @@
           <a:p>
             <a:fld id="{B53F6DFA-8A0E-4513-867D-18B9AA66B23C}" type="datetime1">
               <a:rPr lang="en-US" smtClean="0"/>
-              <a:t>12/4/2021</a:t>
+              <a:t>12/5/2021</a:t>
             </a:fld>
             <a:endParaRPr lang="en-US" dirty="0"/>
           </a:p>
@@ -4814,7 +4815,7 @@
           <a:p>
             <a:fld id="{154283A7-B9AC-454B-A468-44B75A398B49}" type="datetime1">
               <a:rPr lang="en-US" smtClean="0"/>
-              <a:t>12/4/2021</a:t>
+              <a:t>12/5/2021</a:t>
             </a:fld>
             <a:endParaRPr lang="en-US" dirty="0"/>
           </a:p>
@@ -4936,7 +4937,7 @@
           <a:p>
             <a:fld id="{A3F8184D-DEDD-48A0-9ACA-5F6ED9EFE5B8}" type="datetime1">
               <a:rPr lang="en-US" smtClean="0"/>
-              <a:t>12/4/2021</a:t>
+              <a:t>12/5/2021</a:t>
             </a:fld>
             <a:endParaRPr lang="en-US" dirty="0"/>
           </a:p>
@@ -5035,7 +5036,7 @@
           <a:p>
             <a:fld id="{BF38AC0E-F520-48F3-BA14-8BAB82D735FB}" type="datetime1">
               <a:rPr lang="en-US" smtClean="0"/>
-              <a:t>12/4/2021</a:t>
+              <a:t>12/5/2021</a:t>
             </a:fld>
             <a:endParaRPr lang="en-US" dirty="0"/>
           </a:p>
@@ -5294,7 +5295,7 @@
           <a:p>
             <a:fld id="{317D0F2A-2724-4AD4-BF4C-A7B1910D9412}" type="datetime1">
               <a:rPr lang="en-US" smtClean="0"/>
-              <a:t>12/4/2021</a:t>
+              <a:t>12/5/2021</a:t>
             </a:fld>
             <a:endParaRPr lang="en-US" dirty="0"/>
           </a:p>
@@ -5605,7 +5606,7 @@
           <a:p>
             <a:fld id="{9A0B82A5-4A21-4F82-91DB-989CE997E82E}" type="datetime1">
               <a:rPr lang="en-US" smtClean="0"/>
-              <a:t>12/4/2021</a:t>
+              <a:t>12/5/2021</a:t>
             </a:fld>
             <a:endParaRPr lang="en-US" dirty="0"/>
           </a:p>
@@ -5842,7 +5843,7 @@
           <a:p>
             <a:fld id="{01BFEF8A-AE08-4951-B923-589F814B0C31}" type="datetime1">
               <a:rPr lang="en-US" smtClean="0"/>
-              <a:t>12/4/2021</a:t>
+              <a:t>12/5/2021</a:t>
             </a:fld>
             <a:endParaRPr lang="en-US" dirty="0"/>
           </a:p>
@@ -6678,6 +6679,208 @@
 </p:sld>
 </file>
 
+<file path=ppt/slides/slide10.xml><?xml version="1.0" encoding="utf-8"?>
+<p:sld xmlns:a="http://schemas.openxmlformats.org/drawingml/2006/main" xmlns:r="http://schemas.openxmlformats.org/officeDocument/2006/relationships" xmlns:p="http://schemas.openxmlformats.org/presentationml/2006/main">
+  <p:cSld>
+    <p:spTree>
+      <p:nvGrpSpPr>
+        <p:cNvPr id="1" name=""/>
+        <p:cNvGrpSpPr/>
+        <p:nvPr/>
+      </p:nvGrpSpPr>
+      <p:grpSpPr>
+        <a:xfrm>
+          <a:off x="0" y="0"/>
+          <a:ext cx="0" cy="0"/>
+          <a:chOff x="0" y="0"/>
+          <a:chExt cx="0" cy="0"/>
+        </a:xfrm>
+      </p:grpSpPr>
+      <p:sp>
+        <p:nvSpPr>
+          <p:cNvPr id="2" name="Title 1">
+            <a:extLst>
+              <a:ext uri="{FF2B5EF4-FFF2-40B4-BE49-F238E27FC236}">
+                <a16:creationId xmlns:a16="http://schemas.microsoft.com/office/drawing/2014/main" id="{E286A761-15D2-43CB-88BE-6EA8E2B217DE}"/>
+              </a:ext>
+            </a:extLst>
+          </p:cNvPr>
+          <p:cNvSpPr>
+            <a:spLocks noGrp="1"/>
+          </p:cNvSpPr>
+          <p:nvPr>
+            <p:ph type="title"/>
+          </p:nvPr>
+        </p:nvSpPr>
+        <p:spPr/>
+        <p:txBody>
+          <a:bodyPr/>
+          <a:lstStyle/>
+          <a:p>
+            <a:r>
+              <a:rPr lang="en-US" dirty="0"/>
+              <a:t>Exercise</a:t>
+            </a:r>
+          </a:p>
+        </p:txBody>
+      </p:sp>
+      <p:sp>
+        <p:nvSpPr>
+          <p:cNvPr id="3" name="Content Placeholder 2">
+            <a:extLst>
+              <a:ext uri="{FF2B5EF4-FFF2-40B4-BE49-F238E27FC236}">
+                <a16:creationId xmlns:a16="http://schemas.microsoft.com/office/drawing/2014/main" id="{FAEC6BDB-FEF5-4EBD-B040-67CE3384FDEB}"/>
+              </a:ext>
+            </a:extLst>
+          </p:cNvPr>
+          <p:cNvSpPr>
+            <a:spLocks noGrp="1"/>
+          </p:cNvSpPr>
+          <p:nvPr>
+            <p:ph idx="1"/>
+          </p:nvPr>
+        </p:nvSpPr>
+        <p:spPr/>
+        <p:txBody>
+          <a:bodyPr/>
+          <a:lstStyle/>
+          <a:p>
+            <a:r>
+              <a:rPr lang="en-US" dirty="0"/>
+              <a:t>Create an </a:t>
+            </a:r>
+            <a:r>
+              <a:rPr lang="en-US" dirty="0">
+                <a:solidFill>
+                  <a:srgbClr val="92D050"/>
+                </a:solidFill>
+              </a:rPr>
+              <a:t>RPG (role play game) </a:t>
+            </a:r>
+            <a:r>
+              <a:rPr lang="en-US" dirty="0"/>
+              <a:t>with following characters:</a:t>
+            </a:r>
+          </a:p>
+          <a:p>
+            <a:pPr lvl="1"/>
+            <a:r>
+              <a:rPr lang="en-US" dirty="0"/>
+              <a:t>Archer</a:t>
+            </a:r>
+          </a:p>
+          <a:p>
+            <a:pPr lvl="1"/>
+            <a:r>
+              <a:rPr lang="en-US" dirty="0"/>
+              <a:t>Soldier</a:t>
+            </a:r>
+          </a:p>
+          <a:p>
+            <a:pPr lvl="2"/>
+            <a:r>
+              <a:rPr lang="en-US" dirty="0"/>
+              <a:t>Knight</a:t>
+            </a:r>
+          </a:p>
+          <a:p>
+            <a:pPr lvl="1"/>
+            <a:r>
+              <a:rPr lang="en-US" dirty="0"/>
+              <a:t>We have more than one tribe, and all of them are in battle.</a:t>
+            </a:r>
+          </a:p>
+          <a:p>
+            <a:pPr lvl="1"/>
+            <a:r>
+              <a:rPr lang="en-US" dirty="0"/>
+              <a:t>Output the winner (tribe who has at least one hero) at the end</a:t>
+            </a:r>
+          </a:p>
+          <a:p>
+            <a:pPr lvl="1"/>
+            <a:r>
+              <a:rPr lang="en-US" dirty="0">
+                <a:solidFill>
+                  <a:srgbClr val="FF0000"/>
+                </a:solidFill>
+              </a:rPr>
+              <a:t>Don’t forget to use inheritance, abstraction and all other things you know about OOP until now.</a:t>
+            </a:r>
+          </a:p>
+        </p:txBody>
+      </p:sp>
+      <p:sp>
+        <p:nvSpPr>
+          <p:cNvPr id="4" name="Footer Placeholder 3">
+            <a:extLst>
+              <a:ext uri="{FF2B5EF4-FFF2-40B4-BE49-F238E27FC236}">
+                <a16:creationId xmlns:a16="http://schemas.microsoft.com/office/drawing/2014/main" id="{2D4AD3F1-997B-4644-90BE-8FCA89FD0ABA}"/>
+              </a:ext>
+            </a:extLst>
+          </p:cNvPr>
+          <p:cNvSpPr>
+            <a:spLocks noGrp="1"/>
+          </p:cNvSpPr>
+          <p:nvPr>
+            <p:ph type="ftr" sz="quarter" idx="11"/>
+          </p:nvPr>
+        </p:nvSpPr>
+        <p:spPr/>
+        <p:txBody>
+          <a:bodyPr/>
+          <a:lstStyle/>
+          <a:p>
+            <a:r>
+              <a:rPr lang="en-US"/>
+              <a:t>Nodejs Basics</a:t>
+            </a:r>
+            <a:endParaRPr lang="en-US" dirty="0"/>
+          </a:p>
+        </p:txBody>
+      </p:sp>
+      <p:sp>
+        <p:nvSpPr>
+          <p:cNvPr id="5" name="Slide Number Placeholder 4">
+            <a:extLst>
+              <a:ext uri="{FF2B5EF4-FFF2-40B4-BE49-F238E27FC236}">
+                <a16:creationId xmlns:a16="http://schemas.microsoft.com/office/drawing/2014/main" id="{E3BB1B2D-7059-414F-A676-D7661FEB78E3}"/>
+              </a:ext>
+            </a:extLst>
+          </p:cNvPr>
+          <p:cNvSpPr>
+            <a:spLocks noGrp="1"/>
+          </p:cNvSpPr>
+          <p:nvPr>
+            <p:ph type="sldNum" sz="quarter" idx="12"/>
+          </p:nvPr>
+        </p:nvSpPr>
+        <p:spPr/>
+        <p:txBody>
+          <a:bodyPr/>
+          <a:lstStyle/>
+          <a:p>
+            <a:fld id="{3A98EE3D-8CD1-4C3F-BD1C-C98C9596463C}" type="slidenum">
+              <a:rPr lang="en-US" smtClean="0"/>
+              <a:t>10</a:t>
+            </a:fld>
+            <a:endParaRPr lang="en-US" dirty="0"/>
+          </a:p>
+        </p:txBody>
+      </p:sp>
+    </p:spTree>
+    <p:extLst>
+      <p:ext uri="{BB962C8B-B14F-4D97-AF65-F5344CB8AC3E}">
+        <p14:creationId xmlns:p14="http://schemas.microsoft.com/office/powerpoint/2010/main" val="4187203839"/>
+      </p:ext>
+    </p:extLst>
+  </p:cSld>
+  <p:clrMapOvr>
+    <a:masterClrMapping/>
+  </p:clrMapOvr>
+</p:sld>
+</file>
+
 <file path=ppt/slides/slide2.xml><?xml version="1.0" encoding="utf-8"?>
 <p:sld xmlns:a="http://schemas.openxmlformats.org/drawingml/2006/main" xmlns:r="http://schemas.openxmlformats.org/officeDocument/2006/relationships" xmlns:p="http://schemas.openxmlformats.org/presentationml/2006/main">
   <p:cSld>
@@ -6991,24 +7194,32 @@
           <a:p>
             <a:pPr lvl="1"/>
             <a:r>
-              <a:rPr lang="en-US" dirty="0"/>
+              <a:rPr lang="en-US" dirty="0">
+                <a:latin typeface="Consolas" panose="020B0609020204030204" pitchFamily="49" charset="0"/>
+              </a:rPr>
               <a:t>const a = [1, 2, 3]</a:t>
             </a:r>
           </a:p>
           <a:p>
             <a:pPr lvl="1"/>
             <a:r>
-              <a:rPr lang="en-US" dirty="0"/>
+              <a:rPr lang="en-US" dirty="0">
+                <a:latin typeface="Consolas" panose="020B0609020204030204" pitchFamily="49" charset="0"/>
+              </a:rPr>
               <a:t>const b = [1, 2, 3]</a:t>
             </a:r>
           </a:p>
           <a:p>
             <a:pPr lvl="1"/>
             <a:r>
-              <a:rPr lang="en-US" dirty="0"/>
+              <a:rPr lang="en-US" dirty="0">
+                <a:latin typeface="Consolas" panose="020B0609020204030204" pitchFamily="49" charset="0"/>
+              </a:rPr>
               <a:t>console.log(a===b);</a:t>
             </a:r>
-            <a:endParaRPr lang="fa-IR" dirty="0"/>
+            <a:endParaRPr lang="fa-IR" dirty="0">
+              <a:latin typeface="Consolas" panose="020B0609020204030204" pitchFamily="49" charset="0"/>
+            </a:endParaRPr>
           </a:p>
         </p:txBody>
       </p:sp>
@@ -7418,8 +7629,24 @@
           </a:p>
           <a:p>
             <a:r>
+              <a:rPr lang="en-US" sz="2100" dirty="0">
+                <a:latin typeface="Consolas" panose="020B0609020204030204" pitchFamily="49" charset="0"/>
+              </a:rPr>
+              <a:t>protected</a:t>
+            </a:r>
+            <a:r>
               <a:rPr lang="en-US" dirty="0"/>
-              <a:t>protected vs private ?</a:t>
+              <a:t> vs </a:t>
+            </a:r>
+            <a:r>
+              <a:rPr lang="en-US" sz="2100" dirty="0">
+                <a:latin typeface="Consolas" panose="020B0609020204030204" pitchFamily="49" charset="0"/>
+              </a:rPr>
+              <a:t>private</a:t>
+            </a:r>
+            <a:r>
+              <a:rPr lang="en-US" dirty="0"/>
+              <a:t> ?</a:t>
             </a:r>
           </a:p>
         </p:txBody>

--- a/oop/oop-02.pptx
+++ b/oop/oop-02.pptx
@@ -206,7 +206,7 @@
           <a:p>
             <a:fld id="{9B9ECB28-6A22-4037-9487-F3F739F744D6}" type="datetimeFigureOut">
               <a:rPr lang="en-US" smtClean="0"/>
-              <a:t>12/5/2021</a:t>
+              <a:t>12/6/2021</a:t>
             </a:fld>
             <a:endParaRPr lang="en-US"/>
           </a:p>
@@ -657,7 +657,7 @@
           <a:p>
             <a:fld id="{19B6F524-99F3-4BEA-ACD7-976EF4D36657}" type="datetime1">
               <a:rPr lang="en-US" smtClean="0"/>
-              <a:t>12/5/2021</a:t>
+              <a:t>12/6/2021</a:t>
             </a:fld>
             <a:endParaRPr lang="en-US" dirty="0"/>
           </a:p>
@@ -966,7 +966,7 @@
           <a:p>
             <a:fld id="{2145C3A9-05D9-428D-9788-A7F14838F6F9}" type="datetime1">
               <a:rPr lang="en-US" smtClean="0"/>
-              <a:t>12/5/2021</a:t>
+              <a:t>12/6/2021</a:t>
             </a:fld>
             <a:endParaRPr lang="en-US" dirty="0"/>
           </a:p>
@@ -1164,7 +1164,7 @@
           <a:p>
             <a:fld id="{82C701FB-B03E-4981-A9F8-99B474DD173A}" type="datetime1">
               <a:rPr lang="en-US" smtClean="0"/>
-              <a:t>12/5/2021</a:t>
+              <a:t>12/6/2021</a:t>
             </a:fld>
             <a:endParaRPr lang="en-US" dirty="0"/>
           </a:p>
@@ -1431,7 +1431,7 @@
           <a:p>
             <a:fld id="{7A7E8EF3-CBF7-4EB9-B6E5-3754574E3433}" type="datetime1">
               <a:rPr lang="en-US" smtClean="0"/>
-              <a:t>12/5/2021</a:t>
+              <a:t>12/6/2021</a:t>
             </a:fld>
             <a:endParaRPr lang="en-US" dirty="0"/>
           </a:p>
@@ -1871,7 +1871,7 @@
           <a:p>
             <a:fld id="{DA8A4A96-31AC-487C-9F15-1822D58542B7}" type="datetime1">
               <a:rPr lang="en-US" smtClean="0"/>
-              <a:t>12/5/2021</a:t>
+              <a:t>12/6/2021</a:t>
             </a:fld>
             <a:endParaRPr lang="en-US" dirty="0"/>
           </a:p>
@@ -2412,7 +2412,7 @@
           <a:p>
             <a:fld id="{FBBF9546-09C4-4F24-A284-5B81FF8659B4}" type="datetime1">
               <a:rPr lang="en-US" smtClean="0"/>
-              <a:t>12/5/2021</a:t>
+              <a:t>12/6/2021</a:t>
             </a:fld>
             <a:endParaRPr lang="en-US" dirty="0"/>
           </a:p>
@@ -3298,7 +3298,7 @@
           <a:p>
             <a:fld id="{5BF4405D-15A5-450B-B053-484859B9C8F7}" type="datetime1">
               <a:rPr lang="en-US" smtClean="0"/>
-              <a:t>12/5/2021</a:t>
+              <a:t>12/6/2021</a:t>
             </a:fld>
             <a:endParaRPr lang="en-US" dirty="0"/>
           </a:p>
@@ -3472,7 +3472,7 @@
           <a:p>
             <a:fld id="{E0366559-EC21-40C1-8A65-9A3B4EA78391}" type="datetime1">
               <a:rPr lang="en-US" smtClean="0"/>
-              <a:t>12/5/2021</a:t>
+              <a:t>12/6/2021</a:t>
             </a:fld>
             <a:endParaRPr lang="en-US" dirty="0"/>
           </a:p>
@@ -3660,7 +3660,7 @@
           <a:p>
             <a:fld id="{4F09CA92-695C-4FFA-8E37-4D2C288BCC04}" type="datetime1">
               <a:rPr lang="en-US" smtClean="0"/>
-              <a:t>12/5/2021</a:t>
+              <a:t>12/6/2021</a:t>
             </a:fld>
             <a:endParaRPr lang="en-US" dirty="0"/>
           </a:p>
@@ -3834,7 +3834,7 @@
           <a:p>
             <a:fld id="{CA551262-FC07-4FE4-9221-F72F7D4F209A}" type="datetime1">
               <a:rPr lang="en-US" smtClean="0"/>
-              <a:t>12/5/2021</a:t>
+              <a:t>12/6/2021</a:t>
             </a:fld>
             <a:endParaRPr lang="en-US" dirty="0"/>
           </a:p>
@@ -4082,7 +4082,7 @@
           <a:p>
             <a:fld id="{46A321E4-8899-4F7D-BEB1-BD52626ABD8D}" type="datetime1">
               <a:rPr lang="en-US" smtClean="0"/>
-              <a:t>12/5/2021</a:t>
+              <a:t>12/6/2021</a:t>
             </a:fld>
             <a:endParaRPr lang="en-US" dirty="0"/>
           </a:p>
@@ -4328,7 +4328,7 @@
           <a:p>
             <a:fld id="{B53F6DFA-8A0E-4513-867D-18B9AA66B23C}" type="datetime1">
               <a:rPr lang="en-US" smtClean="0"/>
-              <a:t>12/5/2021</a:t>
+              <a:t>12/6/2021</a:t>
             </a:fld>
             <a:endParaRPr lang="en-US" dirty="0"/>
           </a:p>
@@ -4815,7 +4815,7 @@
           <a:p>
             <a:fld id="{154283A7-B9AC-454B-A468-44B75A398B49}" type="datetime1">
               <a:rPr lang="en-US" smtClean="0"/>
-              <a:t>12/5/2021</a:t>
+              <a:t>12/6/2021</a:t>
             </a:fld>
             <a:endParaRPr lang="en-US" dirty="0"/>
           </a:p>
@@ -4937,7 +4937,7 @@
           <a:p>
             <a:fld id="{A3F8184D-DEDD-48A0-9ACA-5F6ED9EFE5B8}" type="datetime1">
               <a:rPr lang="en-US" smtClean="0"/>
-              <a:t>12/5/2021</a:t>
+              <a:t>12/6/2021</a:t>
             </a:fld>
             <a:endParaRPr lang="en-US" dirty="0"/>
           </a:p>
@@ -5036,7 +5036,7 @@
           <a:p>
             <a:fld id="{BF38AC0E-F520-48F3-BA14-8BAB82D735FB}" type="datetime1">
               <a:rPr lang="en-US" smtClean="0"/>
-              <a:t>12/5/2021</a:t>
+              <a:t>12/6/2021</a:t>
             </a:fld>
             <a:endParaRPr lang="en-US" dirty="0"/>
           </a:p>
@@ -5295,7 +5295,7 @@
           <a:p>
             <a:fld id="{317D0F2A-2724-4AD4-BF4C-A7B1910D9412}" type="datetime1">
               <a:rPr lang="en-US" smtClean="0"/>
-              <a:t>12/5/2021</a:t>
+              <a:t>12/6/2021</a:t>
             </a:fld>
             <a:endParaRPr lang="en-US" dirty="0"/>
           </a:p>
@@ -5606,7 +5606,7 @@
           <a:p>
             <a:fld id="{9A0B82A5-4A21-4F82-91DB-989CE997E82E}" type="datetime1">
               <a:rPr lang="en-US" smtClean="0"/>
-              <a:t>12/5/2021</a:t>
+              <a:t>12/6/2021</a:t>
             </a:fld>
             <a:endParaRPr lang="en-US" dirty="0"/>
           </a:p>
@@ -5843,7 +5843,7 @@
           <a:p>
             <a:fld id="{01BFEF8A-AE08-4951-B923-589F814B0C31}" type="datetime1">
               <a:rPr lang="en-US" smtClean="0"/>
-              <a:t>12/5/2021</a:t>
+              <a:t>12/6/2021</a:t>
             </a:fld>
             <a:endParaRPr lang="en-US" dirty="0"/>
           </a:p>
@@ -7017,6 +7017,16 @@
           </a:p>
           <a:p>
             <a:r>
+              <a:rPr lang="en-US">
+                <a:solidFill>
+                  <a:schemeClr val="tx1">
+                    <a:lumMod val="50000"/>
+                  </a:schemeClr>
+                </a:solidFill>
+              </a:rPr>
+              <a:t>Static</a:t>
+            </a:r>
+            <a:r>
               <a:rPr lang="en-US" dirty="0">
                 <a:solidFill>
                   <a:schemeClr val="tx1">
@@ -7024,7 +7034,7 @@
                   </a:schemeClr>
                 </a:solidFill>
               </a:rPr>
-              <a:t>Constructor, Static, Parameter, and Read-only properties.</a:t>
+              <a:t>, Parameter, and Read-only properties.</a:t>
             </a:r>
           </a:p>
           <a:p>
@@ -8475,7 +8485,19 @@
               <a:rPr lang="en-US" dirty="0">
                 <a:sym typeface="Wingdings" panose="05000000000000000000" pitchFamily="2" charset="2"/>
               </a:rPr>
-              <a:t>We can clear abstract methods too</a:t>
+              <a:t>We </a:t>
+            </a:r>
+            <a:r>
+              <a:rPr lang="en-US">
+                <a:sym typeface="Wingdings" panose="05000000000000000000" pitchFamily="2" charset="2"/>
+              </a:rPr>
+              <a:t>can create </a:t>
+            </a:r>
+            <a:r>
+              <a:rPr lang="en-US" dirty="0">
+                <a:sym typeface="Wingdings" panose="05000000000000000000" pitchFamily="2" charset="2"/>
+              </a:rPr>
+              <a:t>abstract methods too</a:t>
             </a:r>
           </a:p>
           <a:p>
